--- a/Slides/VeriModellemeTeknikleri02Gun.pptx
+++ b/Slides/VeriModellemeTeknikleri02Gun.pptx
@@ -3818,53 +3818,6 @@
           </a:prstGeom>
         </p:spPr>
       </p:pic>
-      <p:pic>
-        <p:nvPicPr>
-          <p:cNvPr id="2" name="Picture 2">
-            <a:extLst>
-              <a:ext uri="{FF2B5EF4-FFF2-40B4-BE49-F238E27FC236}">
-                <a16:creationId xmlns:a16="http://schemas.microsoft.com/office/drawing/2014/main" id="{651275AF-E625-4F9F-831F-5BB84AAC009D}"/>
-              </a:ext>
-            </a:extLst>
-          </p:cNvPr>
-          <p:cNvPicPr>
-            <a:picLocks noChangeAspect="1" noChangeArrowheads="1"/>
-          </p:cNvPicPr>
-          <p:nvPr/>
-        </p:nvPicPr>
-        <p:blipFill>
-          <a:blip r:embed="rId3">
-            <a:extLst>
-              <a:ext uri="{28A0092B-C50C-407E-A947-70E740481C1C}">
-                <a14:useLocalDpi xmlns:a14="http://schemas.microsoft.com/office/drawing/2010/main" val="0"/>
-              </a:ext>
-            </a:extLst>
-          </a:blip>
-          <a:srcRect/>
-          <a:stretch>
-            <a:fillRect/>
-          </a:stretch>
-        </p:blipFill>
-        <p:spPr bwMode="auto">
-          <a:xfrm>
-            <a:off x="3995490" y="385689"/>
-            <a:ext cx="4188319" cy="2094160"/>
-          </a:xfrm>
-          <a:prstGeom prst="rect">
-            <a:avLst/>
-          </a:prstGeom>
-          <a:noFill/>
-          <a:extLst>
-            <a:ext uri="{909E8E84-426E-40DD-AFC4-6F175D3DCCD1}">
-              <a14:hiddenFill xmlns:a14="http://schemas.microsoft.com/office/drawing/2010/main">
-                <a:solidFill>
-                  <a:srgbClr val="FFFFFF"/>
-                </a:solidFill>
-              </a14:hiddenFill>
-            </a:ext>
-          </a:extLst>
-        </p:spPr>
-      </p:pic>
       <p:sp>
         <p:nvSpPr>
           <p:cNvPr id="7" name="Text Box 32">
@@ -4344,7 +4297,7 @@
           <p:nvPr/>
         </p:nvPicPr>
         <p:blipFill>
-          <a:blip r:embed="rId4" cstate="print">
+          <a:blip r:embed="rId3" cstate="print">
             <a:extLst>
               <a:ext uri="{28A0092B-C50C-407E-A947-70E740481C1C}">
                 <a14:useLocalDpi xmlns:a14="http://schemas.microsoft.com/office/drawing/2010/main" val="0"/>
